--- a/graph/graph.pptx
+++ b/graph/graph.pptx
@@ -200,7 +200,7 @@
           <a:p>
             <a:fld id="{83D1E673-CA6D-B044-BFDA-D4F4C1D0E2D0}" type="datetimeFigureOut">
               <a:rPr lang="en-US" smtClean="0"/>
-              <a:t>3/31/17</a:t>
+              <a:t>10/26/18</a:t>
             </a:fld>
             <a:endParaRPr lang="en-US"/>
           </a:p>
@@ -264,38 +264,37 @@
           <a:p>
             <a:pPr lvl="0"/>
             <a:r>
-              <a:rPr lang="en-US" smtClean="0"/>
+              <a:rPr lang="en-US"/>
               <a:t>Click to edit Master text styles</a:t>
             </a:r>
           </a:p>
           <a:p>
             <a:pPr lvl="1"/>
             <a:r>
-              <a:rPr lang="en-US" smtClean="0"/>
+              <a:rPr lang="en-US"/>
               <a:t>Second level</a:t>
             </a:r>
           </a:p>
           <a:p>
             <a:pPr lvl="2"/>
             <a:r>
-              <a:rPr lang="en-US" smtClean="0"/>
+              <a:rPr lang="en-US"/>
               <a:t>Third level</a:t>
             </a:r>
           </a:p>
           <a:p>
             <a:pPr lvl="3"/>
             <a:r>
-              <a:rPr lang="en-US" smtClean="0"/>
+              <a:rPr lang="en-US"/>
               <a:t>Fourth level</a:t>
             </a:r>
           </a:p>
           <a:p>
             <a:pPr lvl="4"/>
             <a:r>
-              <a:rPr lang="en-US" smtClean="0"/>
+              <a:rPr lang="en-US"/>
               <a:t>Fifth level</a:t>
             </a:r>
-            <a:endParaRPr lang="en-US"/>
           </a:p>
         </p:txBody>
       </p:sp>
@@ -594,10 +593,9 @@
           </a:lstStyle>
           <a:p>
             <a:r>
-              <a:rPr lang="en-US" smtClean="0"/>
+              <a:rPr lang="en-US"/>
               <a:t>Click to edit Master title style</a:t>
             </a:r>
-            <a:endParaRPr lang="en-US"/>
           </a:p>
         </p:txBody>
       </p:sp>
@@ -659,10 +657,9 @@
           </a:lstStyle>
           <a:p>
             <a:r>
-              <a:rPr lang="en-US" smtClean="0"/>
+              <a:rPr lang="en-US"/>
               <a:t>Click to edit Master subtitle style</a:t>
             </a:r>
-            <a:endParaRPr lang="en-US"/>
           </a:p>
         </p:txBody>
       </p:sp>
@@ -683,7 +680,7 @@
           <a:p>
             <a:fld id="{EE1DBB6F-DAED-FE4B-A210-17C78E93EBE3}" type="datetimeFigureOut">
               <a:rPr lang="en-US" smtClean="0"/>
-              <a:t>3/31/17</a:t>
+              <a:t>10/26/18</a:t>
             </a:fld>
             <a:endParaRPr lang="en-US"/>
           </a:p>
@@ -777,10 +774,9 @@
           <a:lstStyle/>
           <a:p>
             <a:r>
-              <a:rPr lang="en-US" smtClean="0"/>
+              <a:rPr lang="en-US"/>
               <a:t>Click to edit Master title style</a:t>
             </a:r>
-            <a:endParaRPr lang="en-US"/>
           </a:p>
         </p:txBody>
       </p:sp>
@@ -801,38 +797,37 @@
           <a:p>
             <a:pPr lvl="0"/>
             <a:r>
-              <a:rPr lang="en-US" smtClean="0"/>
+              <a:rPr lang="en-US"/>
               <a:t>Click to edit Master text styles</a:t>
             </a:r>
           </a:p>
           <a:p>
             <a:pPr lvl="1"/>
             <a:r>
-              <a:rPr lang="en-US" smtClean="0"/>
+              <a:rPr lang="en-US"/>
               <a:t>Second level</a:t>
             </a:r>
           </a:p>
           <a:p>
             <a:pPr lvl="2"/>
             <a:r>
-              <a:rPr lang="en-US" smtClean="0"/>
+              <a:rPr lang="en-US"/>
               <a:t>Third level</a:t>
             </a:r>
           </a:p>
           <a:p>
             <a:pPr lvl="3"/>
             <a:r>
-              <a:rPr lang="en-US" smtClean="0"/>
+              <a:rPr lang="en-US"/>
               <a:t>Fourth level</a:t>
             </a:r>
           </a:p>
           <a:p>
             <a:pPr lvl="4"/>
             <a:r>
-              <a:rPr lang="en-US" smtClean="0"/>
+              <a:rPr lang="en-US"/>
               <a:t>Fifth level</a:t>
             </a:r>
-            <a:endParaRPr lang="en-US"/>
           </a:p>
         </p:txBody>
       </p:sp>
@@ -853,7 +848,7 @@
           <a:p>
             <a:fld id="{EE1DBB6F-DAED-FE4B-A210-17C78E93EBE3}" type="datetimeFigureOut">
               <a:rPr lang="en-US" smtClean="0"/>
-              <a:t>3/31/17</a:t>
+              <a:t>10/26/18</a:t>
             </a:fld>
             <a:endParaRPr lang="en-US"/>
           </a:p>
@@ -952,10 +947,9 @@
           <a:lstStyle/>
           <a:p>
             <a:r>
-              <a:rPr lang="en-US" smtClean="0"/>
+              <a:rPr lang="en-US"/>
               <a:t>Click to edit Master title style</a:t>
             </a:r>
-            <a:endParaRPr lang="en-US"/>
           </a:p>
         </p:txBody>
       </p:sp>
@@ -981,38 +975,37 @@
           <a:p>
             <a:pPr lvl="0"/>
             <a:r>
-              <a:rPr lang="en-US" smtClean="0"/>
+              <a:rPr lang="en-US"/>
               <a:t>Click to edit Master text styles</a:t>
             </a:r>
           </a:p>
           <a:p>
             <a:pPr lvl="1"/>
             <a:r>
-              <a:rPr lang="en-US" smtClean="0"/>
+              <a:rPr lang="en-US"/>
               <a:t>Second level</a:t>
             </a:r>
           </a:p>
           <a:p>
             <a:pPr lvl="2"/>
             <a:r>
-              <a:rPr lang="en-US" smtClean="0"/>
+              <a:rPr lang="en-US"/>
               <a:t>Third level</a:t>
             </a:r>
           </a:p>
           <a:p>
             <a:pPr lvl="3"/>
             <a:r>
-              <a:rPr lang="en-US" smtClean="0"/>
+              <a:rPr lang="en-US"/>
               <a:t>Fourth level</a:t>
             </a:r>
           </a:p>
           <a:p>
             <a:pPr lvl="4"/>
             <a:r>
-              <a:rPr lang="en-US" smtClean="0"/>
+              <a:rPr lang="en-US"/>
               <a:t>Fifth level</a:t>
             </a:r>
-            <a:endParaRPr lang="en-US"/>
           </a:p>
         </p:txBody>
       </p:sp>
@@ -1033,7 +1026,7 @@
           <a:p>
             <a:fld id="{EE1DBB6F-DAED-FE4B-A210-17C78E93EBE3}" type="datetimeFigureOut">
               <a:rPr lang="en-US" smtClean="0"/>
-              <a:t>3/31/17</a:t>
+              <a:t>10/26/18</a:t>
             </a:fld>
             <a:endParaRPr lang="en-US"/>
           </a:p>
@@ -1127,10 +1120,9 @@
           <a:lstStyle/>
           <a:p>
             <a:r>
-              <a:rPr lang="en-US" smtClean="0"/>
+              <a:rPr lang="en-US"/>
               <a:t>Click to edit Master title style</a:t>
             </a:r>
-            <a:endParaRPr lang="en-US"/>
           </a:p>
         </p:txBody>
       </p:sp>
@@ -1151,38 +1143,37 @@
           <a:p>
             <a:pPr lvl="0"/>
             <a:r>
-              <a:rPr lang="en-US" smtClean="0"/>
+              <a:rPr lang="en-US"/>
               <a:t>Click to edit Master text styles</a:t>
             </a:r>
           </a:p>
           <a:p>
             <a:pPr lvl="1"/>
             <a:r>
-              <a:rPr lang="en-US" smtClean="0"/>
+              <a:rPr lang="en-US"/>
               <a:t>Second level</a:t>
             </a:r>
           </a:p>
           <a:p>
             <a:pPr lvl="2"/>
             <a:r>
-              <a:rPr lang="en-US" smtClean="0"/>
+              <a:rPr lang="en-US"/>
               <a:t>Third level</a:t>
             </a:r>
           </a:p>
           <a:p>
             <a:pPr lvl="3"/>
             <a:r>
-              <a:rPr lang="en-US" smtClean="0"/>
+              <a:rPr lang="en-US"/>
               <a:t>Fourth level</a:t>
             </a:r>
           </a:p>
           <a:p>
             <a:pPr lvl="4"/>
             <a:r>
-              <a:rPr lang="en-US" smtClean="0"/>
+              <a:rPr lang="en-US"/>
               <a:t>Fifth level</a:t>
             </a:r>
-            <a:endParaRPr lang="en-US"/>
           </a:p>
         </p:txBody>
       </p:sp>
@@ -1203,7 +1194,7 @@
           <a:p>
             <a:fld id="{EE1DBB6F-DAED-FE4B-A210-17C78E93EBE3}" type="datetimeFigureOut">
               <a:rPr lang="en-US" smtClean="0"/>
-              <a:t>3/31/17</a:t>
+              <a:t>10/26/18</a:t>
             </a:fld>
             <a:endParaRPr lang="en-US"/>
           </a:p>
@@ -1306,10 +1297,9 @@
           </a:lstStyle>
           <a:p>
             <a:r>
-              <a:rPr lang="en-US" smtClean="0"/>
+              <a:rPr lang="en-US"/>
               <a:t>Click to edit Master title style</a:t>
             </a:r>
-            <a:endParaRPr lang="en-US"/>
           </a:p>
         </p:txBody>
       </p:sp>
@@ -1426,7 +1416,7 @@
           <a:p>
             <a:pPr lvl="0"/>
             <a:r>
-              <a:rPr lang="en-US" smtClean="0"/>
+              <a:rPr lang="en-US"/>
               <a:t>Click to edit Master text styles</a:t>
             </a:r>
           </a:p>
@@ -1449,7 +1439,7 @@
           <a:p>
             <a:fld id="{EE1DBB6F-DAED-FE4B-A210-17C78E93EBE3}" type="datetimeFigureOut">
               <a:rPr lang="en-US" smtClean="0"/>
-              <a:t>3/31/17</a:t>
+              <a:t>10/26/18</a:t>
             </a:fld>
             <a:endParaRPr lang="en-US"/>
           </a:p>
@@ -1543,10 +1533,9 @@
           <a:lstStyle/>
           <a:p>
             <a:r>
-              <a:rPr lang="en-US" smtClean="0"/>
+              <a:rPr lang="en-US"/>
               <a:t>Click to edit Master title style</a:t>
             </a:r>
-            <a:endParaRPr lang="en-US"/>
           </a:p>
         </p:txBody>
       </p:sp>
@@ -1572,38 +1561,37 @@
           <a:p>
             <a:pPr lvl="0"/>
             <a:r>
-              <a:rPr lang="en-US" smtClean="0"/>
+              <a:rPr lang="en-US"/>
               <a:t>Click to edit Master text styles</a:t>
             </a:r>
           </a:p>
           <a:p>
             <a:pPr lvl="1"/>
             <a:r>
-              <a:rPr lang="en-US" smtClean="0"/>
+              <a:rPr lang="en-US"/>
               <a:t>Second level</a:t>
             </a:r>
           </a:p>
           <a:p>
             <a:pPr lvl="2"/>
             <a:r>
-              <a:rPr lang="en-US" smtClean="0"/>
+              <a:rPr lang="en-US"/>
               <a:t>Third level</a:t>
             </a:r>
           </a:p>
           <a:p>
             <a:pPr lvl="3"/>
             <a:r>
-              <a:rPr lang="en-US" smtClean="0"/>
+              <a:rPr lang="en-US"/>
               <a:t>Fourth level</a:t>
             </a:r>
           </a:p>
           <a:p>
             <a:pPr lvl="4"/>
             <a:r>
-              <a:rPr lang="en-US" smtClean="0"/>
+              <a:rPr lang="en-US"/>
               <a:t>Fifth level</a:t>
             </a:r>
-            <a:endParaRPr lang="en-US"/>
           </a:p>
         </p:txBody>
       </p:sp>
@@ -1629,38 +1617,37 @@
           <a:p>
             <a:pPr lvl="0"/>
             <a:r>
-              <a:rPr lang="en-US" smtClean="0"/>
+              <a:rPr lang="en-US"/>
               <a:t>Click to edit Master text styles</a:t>
             </a:r>
           </a:p>
           <a:p>
             <a:pPr lvl="1"/>
             <a:r>
-              <a:rPr lang="en-US" smtClean="0"/>
+              <a:rPr lang="en-US"/>
               <a:t>Second level</a:t>
             </a:r>
           </a:p>
           <a:p>
             <a:pPr lvl="2"/>
             <a:r>
-              <a:rPr lang="en-US" smtClean="0"/>
+              <a:rPr lang="en-US"/>
               <a:t>Third level</a:t>
             </a:r>
           </a:p>
           <a:p>
             <a:pPr lvl="3"/>
             <a:r>
-              <a:rPr lang="en-US" smtClean="0"/>
+              <a:rPr lang="en-US"/>
               <a:t>Fourth level</a:t>
             </a:r>
           </a:p>
           <a:p>
             <a:pPr lvl="4"/>
             <a:r>
-              <a:rPr lang="en-US" smtClean="0"/>
+              <a:rPr lang="en-US"/>
               <a:t>Fifth level</a:t>
             </a:r>
-            <a:endParaRPr lang="en-US"/>
           </a:p>
         </p:txBody>
       </p:sp>
@@ -1681,7 +1668,7 @@
           <a:p>
             <a:fld id="{EE1DBB6F-DAED-FE4B-A210-17C78E93EBE3}" type="datetimeFigureOut">
               <a:rPr lang="en-US" smtClean="0"/>
-              <a:t>3/31/17</a:t>
+              <a:t>10/26/18</a:t>
             </a:fld>
             <a:endParaRPr lang="en-US"/>
           </a:p>
@@ -1780,10 +1767,9 @@
           <a:lstStyle/>
           <a:p>
             <a:r>
-              <a:rPr lang="en-US" smtClean="0"/>
+              <a:rPr lang="en-US"/>
               <a:t>Click to edit Master title style</a:t>
             </a:r>
-            <a:endParaRPr lang="en-US"/>
           </a:p>
         </p:txBody>
       </p:sp>
@@ -1846,7 +1832,7 @@
           <a:p>
             <a:pPr lvl="0"/>
             <a:r>
-              <a:rPr lang="en-US" smtClean="0"/>
+              <a:rPr lang="en-US"/>
               <a:t>Click to edit Master text styles</a:t>
             </a:r>
           </a:p>
@@ -1874,38 +1860,37 @@
           <a:p>
             <a:pPr lvl="0"/>
             <a:r>
-              <a:rPr lang="en-US" smtClean="0"/>
+              <a:rPr lang="en-US"/>
               <a:t>Click to edit Master text styles</a:t>
             </a:r>
           </a:p>
           <a:p>
             <a:pPr lvl="1"/>
             <a:r>
-              <a:rPr lang="en-US" smtClean="0"/>
+              <a:rPr lang="en-US"/>
               <a:t>Second level</a:t>
             </a:r>
           </a:p>
           <a:p>
             <a:pPr lvl="2"/>
             <a:r>
-              <a:rPr lang="en-US" smtClean="0"/>
+              <a:rPr lang="en-US"/>
               <a:t>Third level</a:t>
             </a:r>
           </a:p>
           <a:p>
             <a:pPr lvl="3"/>
             <a:r>
-              <a:rPr lang="en-US" smtClean="0"/>
+              <a:rPr lang="en-US"/>
               <a:t>Fourth level</a:t>
             </a:r>
           </a:p>
           <a:p>
             <a:pPr lvl="4"/>
             <a:r>
-              <a:rPr lang="en-US" smtClean="0"/>
+              <a:rPr lang="en-US"/>
               <a:t>Fifth level</a:t>
             </a:r>
-            <a:endParaRPr lang="en-US"/>
           </a:p>
         </p:txBody>
       </p:sp>
@@ -1968,7 +1953,7 @@
           <a:p>
             <a:pPr lvl="0"/>
             <a:r>
-              <a:rPr lang="en-US" smtClean="0"/>
+              <a:rPr lang="en-US"/>
               <a:t>Click to edit Master text styles</a:t>
             </a:r>
           </a:p>
@@ -1996,38 +1981,37 @@
           <a:p>
             <a:pPr lvl="0"/>
             <a:r>
-              <a:rPr lang="en-US" smtClean="0"/>
+              <a:rPr lang="en-US"/>
               <a:t>Click to edit Master text styles</a:t>
             </a:r>
           </a:p>
           <a:p>
             <a:pPr lvl="1"/>
             <a:r>
-              <a:rPr lang="en-US" smtClean="0"/>
+              <a:rPr lang="en-US"/>
               <a:t>Second level</a:t>
             </a:r>
           </a:p>
           <a:p>
             <a:pPr lvl="2"/>
             <a:r>
-              <a:rPr lang="en-US" smtClean="0"/>
+              <a:rPr lang="en-US"/>
               <a:t>Third level</a:t>
             </a:r>
           </a:p>
           <a:p>
             <a:pPr lvl="3"/>
             <a:r>
-              <a:rPr lang="en-US" smtClean="0"/>
+              <a:rPr lang="en-US"/>
               <a:t>Fourth level</a:t>
             </a:r>
           </a:p>
           <a:p>
             <a:pPr lvl="4"/>
             <a:r>
-              <a:rPr lang="en-US" smtClean="0"/>
+              <a:rPr lang="en-US"/>
               <a:t>Fifth level</a:t>
             </a:r>
-            <a:endParaRPr lang="en-US"/>
           </a:p>
         </p:txBody>
       </p:sp>
@@ -2048,7 +2032,7 @@
           <a:p>
             <a:fld id="{EE1DBB6F-DAED-FE4B-A210-17C78E93EBE3}" type="datetimeFigureOut">
               <a:rPr lang="en-US" smtClean="0"/>
-              <a:t>3/31/17</a:t>
+              <a:t>10/26/18</a:t>
             </a:fld>
             <a:endParaRPr lang="en-US"/>
           </a:p>
@@ -2142,10 +2126,9 @@
           <a:lstStyle/>
           <a:p>
             <a:r>
-              <a:rPr lang="en-US" smtClean="0"/>
+              <a:rPr lang="en-US"/>
               <a:t>Click to edit Master title style</a:t>
             </a:r>
-            <a:endParaRPr lang="en-US"/>
           </a:p>
         </p:txBody>
       </p:sp>
@@ -2166,7 +2149,7 @@
           <a:p>
             <a:fld id="{EE1DBB6F-DAED-FE4B-A210-17C78E93EBE3}" type="datetimeFigureOut">
               <a:rPr lang="en-US" smtClean="0"/>
-              <a:t>3/31/17</a:t>
+              <a:t>10/26/18</a:t>
             </a:fld>
             <a:endParaRPr lang="en-US"/>
           </a:p>
@@ -2261,7 +2244,7 @@
           <a:p>
             <a:fld id="{EE1DBB6F-DAED-FE4B-A210-17C78E93EBE3}" type="datetimeFigureOut">
               <a:rPr lang="en-US" smtClean="0"/>
-              <a:t>3/31/17</a:t>
+              <a:t>10/26/18</a:t>
             </a:fld>
             <a:endParaRPr lang="en-US"/>
           </a:p>
@@ -2364,10 +2347,9 @@
           </a:lstStyle>
           <a:p>
             <a:r>
-              <a:rPr lang="en-US" smtClean="0"/>
+              <a:rPr lang="en-US"/>
               <a:t>Click to edit Master title style</a:t>
             </a:r>
-            <a:endParaRPr lang="en-US"/>
           </a:p>
         </p:txBody>
       </p:sp>
@@ -2421,38 +2403,37 @@
           <a:p>
             <a:pPr lvl="0"/>
             <a:r>
-              <a:rPr lang="en-US" smtClean="0"/>
+              <a:rPr lang="en-US"/>
               <a:t>Click to edit Master text styles</a:t>
             </a:r>
           </a:p>
           <a:p>
             <a:pPr lvl="1"/>
             <a:r>
-              <a:rPr lang="en-US" smtClean="0"/>
+              <a:rPr lang="en-US"/>
               <a:t>Second level</a:t>
             </a:r>
           </a:p>
           <a:p>
             <a:pPr lvl="2"/>
             <a:r>
-              <a:rPr lang="en-US" smtClean="0"/>
+              <a:rPr lang="en-US"/>
               <a:t>Third level</a:t>
             </a:r>
           </a:p>
           <a:p>
             <a:pPr lvl="3"/>
             <a:r>
-              <a:rPr lang="en-US" smtClean="0"/>
+              <a:rPr lang="en-US"/>
               <a:t>Fourth level</a:t>
             </a:r>
           </a:p>
           <a:p>
             <a:pPr lvl="4"/>
             <a:r>
-              <a:rPr lang="en-US" smtClean="0"/>
+              <a:rPr lang="en-US"/>
               <a:t>Fifth level</a:t>
             </a:r>
-            <a:endParaRPr lang="en-US"/>
           </a:p>
         </p:txBody>
       </p:sp>
@@ -2515,7 +2496,7 @@
           <a:p>
             <a:pPr lvl="0"/>
             <a:r>
-              <a:rPr lang="en-US" smtClean="0"/>
+              <a:rPr lang="en-US"/>
               <a:t>Click to edit Master text styles</a:t>
             </a:r>
           </a:p>
@@ -2538,7 +2519,7 @@
           <a:p>
             <a:fld id="{EE1DBB6F-DAED-FE4B-A210-17C78E93EBE3}" type="datetimeFigureOut">
               <a:rPr lang="en-US" smtClean="0"/>
-              <a:t>3/31/17</a:t>
+              <a:t>10/26/18</a:t>
             </a:fld>
             <a:endParaRPr lang="en-US"/>
           </a:p>
@@ -2641,10 +2622,9 @@
           </a:lstStyle>
           <a:p>
             <a:r>
-              <a:rPr lang="en-US" smtClean="0"/>
+              <a:rPr lang="en-US"/>
               <a:t>Click to edit Master title style</a:t>
             </a:r>
-            <a:endParaRPr lang="en-US"/>
           </a:p>
         </p:txBody>
       </p:sp>
@@ -2768,7 +2748,7 @@
           <a:p>
             <a:pPr lvl="0"/>
             <a:r>
-              <a:rPr lang="en-US" smtClean="0"/>
+              <a:rPr lang="en-US"/>
               <a:t>Click to edit Master text styles</a:t>
             </a:r>
           </a:p>
@@ -2791,7 +2771,7 @@
           <a:p>
             <a:fld id="{EE1DBB6F-DAED-FE4B-A210-17C78E93EBE3}" type="datetimeFigureOut">
               <a:rPr lang="en-US" smtClean="0"/>
-              <a:t>3/31/17</a:t>
+              <a:t>10/26/18</a:t>
             </a:fld>
             <a:endParaRPr lang="en-US"/>
           </a:p>
@@ -2900,10 +2880,9 @@
           <a:lstStyle/>
           <a:p>
             <a:r>
-              <a:rPr lang="en-US" smtClean="0"/>
+              <a:rPr lang="en-US"/>
               <a:t>Click to edit Master title style</a:t>
             </a:r>
-            <a:endParaRPr lang="en-US"/>
           </a:p>
         </p:txBody>
       </p:sp>
@@ -2934,38 +2913,37 @@
           <a:p>
             <a:pPr lvl="0"/>
             <a:r>
-              <a:rPr lang="en-US" smtClean="0"/>
+              <a:rPr lang="en-US"/>
               <a:t>Click to edit Master text styles</a:t>
             </a:r>
           </a:p>
           <a:p>
             <a:pPr lvl="1"/>
             <a:r>
-              <a:rPr lang="en-US" smtClean="0"/>
+              <a:rPr lang="en-US"/>
               <a:t>Second level</a:t>
             </a:r>
           </a:p>
           <a:p>
             <a:pPr lvl="2"/>
             <a:r>
-              <a:rPr lang="en-US" smtClean="0"/>
+              <a:rPr lang="en-US"/>
               <a:t>Third level</a:t>
             </a:r>
           </a:p>
           <a:p>
             <a:pPr lvl="3"/>
             <a:r>
-              <a:rPr lang="en-US" smtClean="0"/>
+              <a:rPr lang="en-US"/>
               <a:t>Fourth level</a:t>
             </a:r>
           </a:p>
           <a:p>
             <a:pPr lvl="4"/>
             <a:r>
-              <a:rPr lang="en-US" smtClean="0"/>
+              <a:rPr lang="en-US"/>
               <a:t>Fifth level</a:t>
             </a:r>
-            <a:endParaRPr lang="en-US"/>
           </a:p>
         </p:txBody>
       </p:sp>
@@ -3004,7 +2982,7 @@
           <a:p>
             <a:fld id="{EE1DBB6F-DAED-FE4B-A210-17C78E93EBE3}" type="datetimeFigureOut">
               <a:rPr lang="en-US" smtClean="0"/>
-              <a:t>3/31/17</a:t>
+              <a:t>10/26/18</a:t>
             </a:fld>
             <a:endParaRPr lang="en-US"/>
           </a:p>
@@ -3425,10 +3403,9 @@
           <a:lstStyle/>
           <a:p>
             <a:r>
-              <a:rPr lang="en-US" dirty="0" smtClean="0"/>
+              <a:rPr lang="en-US" dirty="0"/>
               <a:t>Radio 2017</a:t>
             </a:r>
-            <a:endParaRPr lang="en-US" dirty="0"/>
           </a:p>
         </p:txBody>
       </p:sp>
@@ -3448,10 +3425,9 @@
           <a:lstStyle/>
           <a:p>
             <a:r>
-              <a:rPr lang="en-US" dirty="0" smtClean="0"/>
+              <a:rPr lang="en-US" dirty="0"/>
               <a:t>Paper graph</a:t>
             </a:r>
-            <a:endParaRPr lang="en-US" dirty="0"/>
           </a:p>
         </p:txBody>
       </p:sp>
@@ -3530,18 +3506,13 @@
           <a:p>
             <a:pPr algn="ctr"/>
             <a:r>
-              <a:rPr lang="en-US" dirty="0" smtClean="0">
+              <a:rPr lang="en-US" dirty="0">
                 <a:solidFill>
                   <a:schemeClr val="tx1"/>
                 </a:solidFill>
               </a:rPr>
               <a:t>Source Code </a:t>
             </a:r>
-            <a:endParaRPr lang="en-US" dirty="0">
-              <a:solidFill>
-                <a:schemeClr val="tx1"/>
-              </a:solidFill>
-            </a:endParaRPr>
           </a:p>
         </p:txBody>
       </p:sp>
@@ -3590,18 +3561,13 @@
           <a:p>
             <a:pPr algn="ctr"/>
             <a:r>
-              <a:rPr lang="en-US" dirty="0" smtClean="0">
+              <a:rPr lang="en-US" dirty="0">
                 <a:solidFill>
                   <a:schemeClr val="tx1"/>
                 </a:solidFill>
               </a:rPr>
               <a:t>LLVM + Clang</a:t>
             </a:r>
-            <a:endParaRPr lang="en-US" dirty="0">
-              <a:solidFill>
-                <a:schemeClr val="tx1"/>
-              </a:solidFill>
-            </a:endParaRPr>
           </a:p>
         </p:txBody>
       </p:sp>
@@ -3650,7 +3616,7 @@
           <a:p>
             <a:pPr algn="ctr"/>
             <a:r>
-              <a:rPr lang="en-US" smtClean="0">
+              <a:rPr lang="en-US">
                 <a:solidFill>
                   <a:schemeClr val="tx1"/>
                 </a:solidFill>
@@ -3710,7 +3676,7 @@
           <a:p>
             <a:pPr algn="ctr"/>
             <a:r>
-              <a:rPr lang="en-US" smtClean="0">
+              <a:rPr lang="en-US">
                 <a:solidFill>
                   <a:schemeClr val="tx1"/>
                 </a:solidFill>
@@ -3721,18 +3687,13 @@
           <a:p>
             <a:pPr algn="ctr"/>
             <a:r>
-              <a:rPr lang="en-US" dirty="0" smtClean="0">
+              <a:rPr lang="en-US" dirty="0">
                 <a:solidFill>
                   <a:schemeClr val="tx1"/>
                 </a:solidFill>
               </a:rPr>
               <a:t>ingress</a:t>
             </a:r>
-            <a:endParaRPr lang="en-US" dirty="0">
-              <a:solidFill>
-                <a:schemeClr val="tx1"/>
-              </a:solidFill>
-            </a:endParaRPr>
           </a:p>
         </p:txBody>
       </p:sp>
@@ -3781,18 +3742,13 @@
           <a:p>
             <a:pPr algn="ctr"/>
             <a:r>
-              <a:rPr lang="en-US" dirty="0" smtClean="0">
+              <a:rPr lang="en-US" dirty="0">
                 <a:solidFill>
                   <a:schemeClr val="tx1"/>
                 </a:solidFill>
               </a:rPr>
               <a:t>Driver</a:t>
             </a:r>
-            <a:endParaRPr lang="en-US" dirty="0">
-              <a:solidFill>
-                <a:schemeClr val="tx1"/>
-              </a:solidFill>
-            </a:endParaRPr>
           </a:p>
         </p:txBody>
       </p:sp>
@@ -3880,7 +3836,7 @@
           <a:p>
             <a:pPr algn="ctr"/>
             <a:r>
-              <a:rPr lang="en-US" dirty="0" err="1" smtClean="0">
+              <a:rPr lang="en-US" dirty="0" err="1">
                 <a:solidFill>
                   <a:schemeClr val="tx1"/>
                 </a:solidFill>
@@ -4051,18 +4007,13 @@
           <a:p>
             <a:pPr algn="ctr"/>
             <a:r>
-              <a:rPr lang="en-US" sz="1500" dirty="0" smtClean="0">
+              <a:rPr lang="en-US" sz="1500" dirty="0">
                 <a:solidFill>
                   <a:schemeClr val="tx1"/>
                 </a:solidFill>
               </a:rPr>
               <a:t>BPF Prog1</a:t>
             </a:r>
-            <a:endParaRPr lang="en-US" sz="1500" dirty="0">
-              <a:solidFill>
-                <a:schemeClr val="tx1"/>
-              </a:solidFill>
-            </a:endParaRPr>
           </a:p>
         </p:txBody>
       </p:sp>
@@ -4232,10 +4183,9 @@
           <a:lstStyle/>
           <a:p>
             <a:r>
-              <a:rPr lang="en-US" sz="1600" dirty="0" smtClean="0"/>
+              <a:rPr lang="en-US" sz="1600" dirty="0"/>
               <a:t>Kernel</a:t>
             </a:r>
-            <a:endParaRPr lang="en-US" sz="1600" dirty="0"/>
           </a:p>
         </p:txBody>
       </p:sp>
@@ -4262,7 +4212,7 @@
           <a:lstStyle/>
           <a:p>
             <a:r>
-              <a:rPr lang="en-US" sz="1600" dirty="0" err="1" smtClean="0"/>
+              <a:rPr lang="en-US" sz="1600" dirty="0" err="1"/>
               <a:t>Userspace</a:t>
             </a:r>
             <a:endParaRPr lang="en-US" sz="1600" dirty="0"/>
@@ -4314,18 +4264,13 @@
           <a:p>
             <a:pPr algn="ctr"/>
             <a:r>
-              <a:rPr lang="en-US" sz="1600" dirty="0" smtClean="0">
+              <a:rPr lang="en-US" sz="1600" dirty="0">
                 <a:solidFill>
                   <a:schemeClr val="tx1"/>
                 </a:solidFill>
               </a:rPr>
               <a:t>Verifier</a:t>
             </a:r>
-            <a:endParaRPr lang="en-US" sz="1600" dirty="0">
-              <a:solidFill>
-                <a:schemeClr val="tx1"/>
-              </a:solidFill>
-            </a:endParaRPr>
           </a:p>
         </p:txBody>
       </p:sp>
@@ -4352,10 +4297,9 @@
           <a:lstStyle/>
           <a:p>
             <a:r>
-              <a:rPr lang="en-US" sz="1600" dirty="0" smtClean="0"/>
+              <a:rPr lang="en-US" sz="1600" dirty="0"/>
               <a:t>pass</a:t>
             </a:r>
-            <a:endParaRPr lang="en-US" sz="1600" dirty="0"/>
           </a:p>
         </p:txBody>
       </p:sp>
@@ -4382,7 +4326,7 @@
           <a:lstStyle/>
           <a:p>
             <a:r>
-              <a:rPr lang="en-US" sz="1600" dirty="0" err="1" smtClean="0"/>
+              <a:rPr lang="en-US" sz="1600" dirty="0" err="1"/>
               <a:t>skb</a:t>
             </a:r>
             <a:endParaRPr lang="en-US" sz="1600" dirty="0"/>
@@ -4412,10 +4356,9 @@
           <a:lstStyle/>
           <a:p>
             <a:r>
-              <a:rPr lang="en-US" sz="1600" dirty="0" smtClean="0"/>
+              <a:rPr lang="en-US" sz="1600" dirty="0"/>
               <a:t>packet</a:t>
             </a:r>
-            <a:endParaRPr lang="en-US" sz="1600" dirty="0"/>
           </a:p>
         </p:txBody>
       </p:sp>
@@ -4462,7 +4405,7 @@
         </p:nvSpPr>
         <p:spPr>
           <a:xfrm>
-            <a:off x="7257287" y="4615593"/>
+            <a:off x="7201588" y="5389751"/>
             <a:ext cx="780919" cy="338554"/>
           </a:xfrm>
           <a:prstGeom prst="rect">
@@ -4477,7 +4420,7 @@
           <a:lstStyle/>
           <a:p>
             <a:r>
-              <a:rPr lang="en-US" sz="1600" dirty="0" smtClean="0"/>
+              <a:rPr lang="en-US" sz="1600" dirty="0"/>
               <a:t>Tail call</a:t>
             </a:r>
           </a:p>
@@ -4530,18 +4473,13 @@
           <a:p>
             <a:pPr algn="ctr"/>
             <a:r>
-              <a:rPr lang="en-US" sz="1500" dirty="0" smtClean="0">
+              <a:rPr lang="en-US" sz="1500" dirty="0">
                 <a:solidFill>
                   <a:schemeClr val="tx1"/>
                 </a:solidFill>
               </a:rPr>
               <a:t>BPF Prog2</a:t>
             </a:r>
-            <a:endParaRPr lang="en-US" sz="1500" dirty="0">
-              <a:solidFill>
-                <a:schemeClr val="tx1"/>
-              </a:solidFill>
-            </a:endParaRPr>
           </a:p>
         </p:txBody>
       </p:sp>
@@ -4663,18 +4601,13 @@
           <a:p>
             <a:pPr algn="ctr"/>
             <a:r>
-              <a:rPr lang="en-US" sz="1600" dirty="0" smtClean="0">
+              <a:rPr lang="en-US" sz="1600" dirty="0">
                 <a:solidFill>
                   <a:schemeClr val="tx1"/>
                 </a:solidFill>
               </a:rPr>
               <a:t>maps</a:t>
             </a:r>
-            <a:endParaRPr lang="en-US" sz="1600" dirty="0">
-              <a:solidFill>
-                <a:schemeClr val="tx1"/>
-              </a:solidFill>
-            </a:endParaRPr>
           </a:p>
         </p:txBody>
       </p:sp>
@@ -4771,13 +4704,270 @@
           <a:lstStyle/>
           <a:p>
             <a:r>
-              <a:rPr lang="en-US" dirty="0" err="1" smtClean="0"/>
+              <a:rPr lang="en-US" dirty="0" err="1"/>
               <a:t>tcebpf</a:t>
             </a:r>
             <a:endParaRPr lang="en-US" dirty="0"/>
           </a:p>
         </p:txBody>
       </p:sp>
+      <p:cxnSp>
+        <p:nvCxnSpPr>
+          <p:cNvPr id="33" name="Straight Arrow Connector 32">
+            <a:extLst>
+              <a:ext uri="{FF2B5EF4-FFF2-40B4-BE49-F238E27FC236}">
+                <a16:creationId xmlns:a16="http://schemas.microsoft.com/office/drawing/2014/main" id="{6D33E3A9-08C5-C048-B1A3-0C3F5CBA208C}"/>
+              </a:ext>
+            </a:extLst>
+          </p:cNvPr>
+          <p:cNvCxnSpPr/>
+          <p:nvPr/>
+        </p:nvCxnSpPr>
+        <p:spPr>
+          <a:xfrm>
+            <a:off x="5724238" y="5055384"/>
+            <a:ext cx="853416" cy="0"/>
+          </a:xfrm>
+          <a:prstGeom prst="straightConnector1">
+            <a:avLst/>
+          </a:prstGeom>
+          <a:ln>
+            <a:headEnd type="triangle"/>
+            <a:tailEnd type="triangle"/>
+          </a:ln>
+        </p:spPr>
+        <p:style>
+          <a:lnRef idx="1">
+            <a:schemeClr val="accent1"/>
+          </a:lnRef>
+          <a:fillRef idx="0">
+            <a:schemeClr val="accent1"/>
+          </a:fillRef>
+          <a:effectRef idx="0">
+            <a:schemeClr val="accent1"/>
+          </a:effectRef>
+          <a:fontRef idx="minor">
+            <a:schemeClr val="tx1"/>
+          </a:fontRef>
+        </p:style>
+      </p:cxnSp>
+      <p:sp>
+        <p:nvSpPr>
+          <p:cNvPr id="34" name="Rectangle 33">
+            <a:extLst>
+              <a:ext uri="{FF2B5EF4-FFF2-40B4-BE49-F238E27FC236}">
+                <a16:creationId xmlns:a16="http://schemas.microsoft.com/office/drawing/2014/main" id="{F8613634-F0CF-A743-A083-EBC2CF1727D3}"/>
+              </a:ext>
+            </a:extLst>
+          </p:cNvPr>
+          <p:cNvSpPr/>
+          <p:nvPr/>
+        </p:nvSpPr>
+        <p:spPr>
+          <a:xfrm>
+            <a:off x="6597724" y="4728948"/>
+            <a:ext cx="956554" cy="660803"/>
+          </a:xfrm>
+          <a:prstGeom prst="rect">
+            <a:avLst/>
+          </a:prstGeom>
+          <a:solidFill>
+            <a:schemeClr val="bg1"/>
+          </a:solidFill>
+          <a:ln w="25400">
+            <a:solidFill>
+              <a:schemeClr val="bg2">
+                <a:lumMod val="25000"/>
+              </a:schemeClr>
+            </a:solidFill>
+          </a:ln>
+        </p:spPr>
+        <p:style>
+          <a:lnRef idx="2">
+            <a:schemeClr val="accent1">
+              <a:shade val="50000"/>
+            </a:schemeClr>
+          </a:lnRef>
+          <a:fillRef idx="1">
+            <a:schemeClr val="accent1"/>
+          </a:fillRef>
+          <a:effectRef idx="0">
+            <a:schemeClr val="accent1"/>
+          </a:effectRef>
+          <a:fontRef idx="minor">
+            <a:schemeClr val="lt1"/>
+          </a:fontRef>
+        </p:style>
+        <p:txBody>
+          <a:bodyPr rtlCol="0" anchor="ctr"/>
+          <a:lstStyle/>
+          <a:p>
+            <a:pPr algn="ctr"/>
+            <a:r>
+              <a:rPr lang="en-US" sz="1500" dirty="0">
+                <a:solidFill>
+                  <a:schemeClr val="tx1"/>
+                </a:solidFill>
+              </a:rPr>
+              <a:t>XDP Prog1</a:t>
+            </a:r>
+          </a:p>
+        </p:txBody>
+      </p:sp>
+      <p:sp>
+        <p:nvSpPr>
+          <p:cNvPr id="36" name="Rectangle 35">
+            <a:extLst>
+              <a:ext uri="{FF2B5EF4-FFF2-40B4-BE49-F238E27FC236}">
+                <a16:creationId xmlns:a16="http://schemas.microsoft.com/office/drawing/2014/main" id="{6B2D68C1-0838-B54A-B0DE-88123A1470EC}"/>
+              </a:ext>
+            </a:extLst>
+          </p:cNvPr>
+          <p:cNvSpPr/>
+          <p:nvPr/>
+        </p:nvSpPr>
+        <p:spPr>
+          <a:xfrm>
+            <a:off x="7735985" y="4724982"/>
+            <a:ext cx="956554" cy="660803"/>
+          </a:xfrm>
+          <a:prstGeom prst="rect">
+            <a:avLst/>
+          </a:prstGeom>
+          <a:solidFill>
+            <a:schemeClr val="bg1"/>
+          </a:solidFill>
+          <a:ln w="25400">
+            <a:solidFill>
+              <a:schemeClr val="bg2">
+                <a:lumMod val="25000"/>
+              </a:schemeClr>
+            </a:solidFill>
+          </a:ln>
+        </p:spPr>
+        <p:style>
+          <a:lnRef idx="2">
+            <a:schemeClr val="accent1">
+              <a:shade val="50000"/>
+            </a:schemeClr>
+          </a:lnRef>
+          <a:fillRef idx="1">
+            <a:schemeClr val="accent1"/>
+          </a:fillRef>
+          <a:effectRef idx="0">
+            <a:schemeClr val="accent1"/>
+          </a:effectRef>
+          <a:fontRef idx="minor">
+            <a:schemeClr val="lt1"/>
+          </a:fontRef>
+        </p:style>
+        <p:txBody>
+          <a:bodyPr rtlCol="0" anchor="ctr"/>
+          <a:lstStyle/>
+          <a:p>
+            <a:pPr algn="ctr"/>
+            <a:r>
+              <a:rPr lang="en-US" sz="1500">
+                <a:solidFill>
+                  <a:schemeClr val="tx1"/>
+                </a:solidFill>
+              </a:rPr>
+              <a:t>XDP </a:t>
+            </a:r>
+            <a:r>
+              <a:rPr lang="en-US" sz="1500" dirty="0">
+                <a:solidFill>
+                  <a:schemeClr val="tx1"/>
+                </a:solidFill>
+              </a:rPr>
+              <a:t>Prog2</a:t>
+            </a:r>
+          </a:p>
+        </p:txBody>
+      </p:sp>
+      <p:cxnSp>
+        <p:nvCxnSpPr>
+          <p:cNvPr id="37" name="Straight Arrow Connector 36">
+            <a:extLst>
+              <a:ext uri="{FF2B5EF4-FFF2-40B4-BE49-F238E27FC236}">
+                <a16:creationId xmlns:a16="http://schemas.microsoft.com/office/drawing/2014/main" id="{4BBB1545-8E21-014F-AE9D-B9E4745D99FE}"/>
+              </a:ext>
+            </a:extLst>
+          </p:cNvPr>
+          <p:cNvCxnSpPr>
+            <a:stCxn id="34" idx="3"/>
+            <a:endCxn id="36" idx="1"/>
+          </p:cNvCxnSpPr>
+          <p:nvPr/>
+        </p:nvCxnSpPr>
+        <p:spPr>
+          <a:xfrm flipV="1">
+            <a:off x="7554278" y="5055384"/>
+            <a:ext cx="181707" cy="3966"/>
+          </a:xfrm>
+          <a:prstGeom prst="straightConnector1">
+            <a:avLst/>
+          </a:prstGeom>
+          <a:ln>
+            <a:tailEnd type="triangle"/>
+          </a:ln>
+        </p:spPr>
+        <p:style>
+          <a:lnRef idx="1">
+            <a:schemeClr val="accent1"/>
+          </a:lnRef>
+          <a:fillRef idx="0">
+            <a:schemeClr val="accent1"/>
+          </a:fillRef>
+          <a:effectRef idx="0">
+            <a:schemeClr val="accent1"/>
+          </a:effectRef>
+          <a:fontRef idx="minor">
+            <a:schemeClr val="tx1"/>
+          </a:fontRef>
+        </p:style>
+      </p:cxnSp>
+      <p:cxnSp>
+        <p:nvCxnSpPr>
+          <p:cNvPr id="40" name="Straight Arrow Connector 39">
+            <a:extLst>
+              <a:ext uri="{FF2B5EF4-FFF2-40B4-BE49-F238E27FC236}">
+                <a16:creationId xmlns:a16="http://schemas.microsoft.com/office/drawing/2014/main" id="{D9120A58-3231-8E4B-B270-FAFFC286C5F1}"/>
+              </a:ext>
+            </a:extLst>
+          </p:cNvPr>
+          <p:cNvCxnSpPr>
+            <a:stCxn id="36" idx="3"/>
+          </p:cNvCxnSpPr>
+          <p:nvPr/>
+        </p:nvCxnSpPr>
+        <p:spPr>
+          <a:xfrm flipV="1">
+            <a:off x="8692539" y="5055383"/>
+            <a:ext cx="222861" cy="1"/>
+          </a:xfrm>
+          <a:prstGeom prst="straightConnector1">
+            <a:avLst/>
+          </a:prstGeom>
+          <a:ln>
+            <a:tailEnd type="triangle"/>
+          </a:ln>
+        </p:spPr>
+        <p:style>
+          <a:lnRef idx="1">
+            <a:schemeClr val="accent1"/>
+          </a:lnRef>
+          <a:fillRef idx="0">
+            <a:schemeClr val="accent1"/>
+          </a:fillRef>
+          <a:effectRef idx="0">
+            <a:schemeClr val="accent1"/>
+          </a:effectRef>
+          <a:fontRef idx="minor">
+            <a:schemeClr val="tx1"/>
+          </a:fontRef>
+        </p:style>
+      </p:cxnSp>
     </p:spTree>
     <p:extLst>
       <p:ext uri="{BB962C8B-B14F-4D97-AF65-F5344CB8AC3E}">
@@ -4853,18 +5043,13 @@
           <a:p>
             <a:pPr algn="ctr"/>
             <a:r>
-              <a:rPr lang="en-US" dirty="0" smtClean="0">
+              <a:rPr lang="en-US" dirty="0">
                 <a:solidFill>
                   <a:schemeClr val="tx1"/>
                 </a:solidFill>
               </a:rPr>
               <a:t>Packet Parser</a:t>
             </a:r>
-            <a:endParaRPr lang="en-US" dirty="0">
-              <a:solidFill>
-                <a:schemeClr val="tx1"/>
-              </a:solidFill>
-            </a:endParaRPr>
           </a:p>
         </p:txBody>
       </p:sp>
@@ -4957,15 +5142,7 @@
                   <a:schemeClr val="tx1"/>
                 </a:solidFill>
               </a:rPr>
-              <a:t>o</a:t>
-            </a:r>
-            <a:r>
-              <a:rPr lang="en-US" dirty="0" err="1" smtClean="0">
-                <a:solidFill>
-                  <a:schemeClr val="tx1"/>
-                </a:solidFill>
-              </a:rPr>
-              <a:t>vs-vswitchd</a:t>
+              <a:t>ovs-vswitchd</a:t>
             </a:r>
             <a:endParaRPr lang="en-US" dirty="0">
               <a:solidFill>
@@ -5059,18 +5236,13 @@
           <a:p>
             <a:pPr algn="ctr"/>
             <a:r>
-              <a:rPr lang="en-US" sz="1500" dirty="0" smtClean="0">
+              <a:rPr lang="en-US" sz="1500" dirty="0">
                 <a:solidFill>
                   <a:schemeClr val="tx1"/>
                 </a:solidFill>
               </a:rPr>
               <a:t>Match/Action Cache</a:t>
             </a:r>
-            <a:endParaRPr lang="en-US" sz="1500" dirty="0">
-              <a:solidFill>
-                <a:schemeClr val="tx1"/>
-              </a:solidFill>
-            </a:endParaRPr>
           </a:p>
         </p:txBody>
       </p:sp>
@@ -5130,7 +5302,7 @@
           <a:lstStyle/>
           <a:p>
             <a:r>
-              <a:rPr lang="en-US" sz="1600" smtClean="0"/>
+              <a:rPr lang="en-US" sz="1600"/>
               <a:t>kernel</a:t>
             </a:r>
             <a:endParaRPr lang="en-US" sz="1600" dirty="0"/>
@@ -5160,10 +5332,9 @@
           <a:lstStyle/>
           <a:p>
             <a:r>
-              <a:rPr lang="en-US" sz="1600" dirty="0" smtClean="0"/>
+              <a:rPr lang="en-US" sz="1600" dirty="0"/>
               <a:t>user</a:t>
             </a:r>
-            <a:endParaRPr lang="en-US" sz="1600" dirty="0"/>
           </a:p>
         </p:txBody>
       </p:sp>
@@ -5190,10 +5361,9 @@
           <a:lstStyle/>
           <a:p>
             <a:r>
-              <a:rPr lang="en-US" sz="1600" dirty="0" smtClean="0"/>
+              <a:rPr lang="en-US" sz="1600" dirty="0"/>
               <a:t>packet</a:t>
             </a:r>
-            <a:endParaRPr lang="en-US" sz="1600" dirty="0"/>
           </a:p>
         </p:txBody>
       </p:sp>
@@ -5288,7 +5458,7 @@
           <a:lstStyle/>
           <a:p>
             <a:r>
-              <a:rPr lang="en-US" sz="1600" smtClean="0"/>
+              <a:rPr lang="en-US" sz="1600"/>
               <a:t>Output/drop</a:t>
             </a:r>
             <a:endParaRPr lang="en-US" sz="1600" dirty="0"/>
@@ -5352,11 +5522,11 @@
           <a:lstStyle/>
           <a:p>
             <a:r>
-              <a:rPr lang="en-US" sz="1600" dirty="0" smtClean="0"/>
+              <a:rPr lang="en-US" sz="1600" dirty="0"/>
               <a:t>Miss </a:t>
             </a:r>
             <a:r>
-              <a:rPr lang="en-US" sz="1600" dirty="0" err="1" smtClean="0"/>
+              <a:rPr lang="en-US" sz="1600" dirty="0" err="1"/>
               <a:t>upcall</a:t>
             </a:r>
             <a:endParaRPr lang="en-US" sz="1600" dirty="0"/>
@@ -5386,7 +5556,7 @@
           <a:lstStyle/>
           <a:p>
             <a:r>
-              <a:rPr lang="en-US" sz="1600" smtClean="0"/>
+              <a:rPr lang="en-US" sz="1600"/>
               <a:t>Flow installation</a:t>
             </a:r>
             <a:endParaRPr lang="en-US" sz="1600" dirty="0"/>
@@ -5417,11 +5587,7 @@
           <a:p>
             <a:r>
               <a:rPr lang="en-US" dirty="0" err="1"/>
-              <a:t>o</a:t>
-            </a:r>
-            <a:r>
-              <a:rPr lang="en-US" dirty="0" err="1" smtClean="0"/>
-              <a:t>vsintro</a:t>
+              <a:t>ovsintro</a:t>
             </a:r>
             <a:endParaRPr lang="en-US" dirty="0"/>
           </a:p>
@@ -5480,7 +5646,7 @@
           <a:lstStyle/>
           <a:p>
             <a:r>
-              <a:rPr lang="en-US" dirty="0" err="1" smtClean="0"/>
+              <a:rPr lang="en-US" dirty="0" err="1"/>
               <a:t>ovsebpf</a:t>
             </a:r>
             <a:endParaRPr lang="en-US" dirty="0"/>
@@ -5538,15 +5704,7 @@
                   <a:schemeClr val="tx1"/>
                 </a:solidFill>
               </a:rPr>
-              <a:t>o</a:t>
-            </a:r>
-            <a:r>
-              <a:rPr lang="en-US" dirty="0" err="1" smtClean="0">
-                <a:solidFill>
-                  <a:schemeClr val="tx1"/>
-                </a:solidFill>
-              </a:rPr>
-              <a:t>vs-vswitchd</a:t>
+              <a:t>ovs-vswitchd</a:t>
             </a:r>
             <a:endParaRPr lang="en-US" dirty="0">
               <a:solidFill>
@@ -5579,10 +5737,9 @@
           <a:lstStyle/>
           <a:p>
             <a:r>
-              <a:rPr lang="en-US" sz="1600" dirty="0" smtClean="0"/>
+              <a:rPr lang="en-US" sz="1600" dirty="0"/>
               <a:t>packet</a:t>
             </a:r>
-            <a:endParaRPr lang="en-US" sz="1600" dirty="0"/>
           </a:p>
         </p:txBody>
       </p:sp>
@@ -5664,7 +5821,7 @@
           <a:p>
             <a:pPr algn="ctr"/>
             <a:r>
-              <a:rPr lang="en-US" dirty="0" smtClean="0">
+              <a:rPr lang="en-US" dirty="0">
                 <a:solidFill>
                   <a:schemeClr val="tx1"/>
                 </a:solidFill>
@@ -5672,7 +5829,7 @@
               <a:t>Parser </a:t>
             </a:r>
             <a:r>
-              <a:rPr lang="en-US" smtClean="0">
+              <a:rPr lang="en-US">
                 <a:solidFill>
                   <a:schemeClr val="tx1"/>
                 </a:solidFill>
@@ -5727,7 +5884,7 @@
           <a:p>
             <a:pPr algn="ctr"/>
             <a:r>
-              <a:rPr lang="en-US" dirty="0" smtClean="0">
+              <a:rPr lang="en-US" dirty="0">
                 <a:solidFill>
                   <a:schemeClr val="tx1"/>
                 </a:solidFill>
@@ -5743,21 +5900,8 @@
                   <a:schemeClr val="tx1"/>
                 </a:solidFill>
               </a:rPr>
-              <a:t>o</a:t>
-            </a:r>
-            <a:r>
-              <a:rPr lang="en-US" sz="1400" dirty="0" smtClean="0">
-                <a:solidFill>
-                  <a:schemeClr val="tx1"/>
-                </a:solidFill>
-              </a:rPr>
-              <a:t>utput:2</a:t>
-            </a:r>
-            <a:endParaRPr lang="en-US" sz="1400" dirty="0">
-              <a:solidFill>
-                <a:schemeClr val="tx1"/>
-              </a:solidFill>
-            </a:endParaRPr>
+              <a:t>output:2</a:t>
+            </a:r>
           </a:p>
         </p:txBody>
       </p:sp>
@@ -5806,7 +5950,7 @@
           <a:p>
             <a:pPr algn="ctr"/>
             <a:r>
-              <a:rPr lang="en-US" dirty="0" err="1" smtClean="0">
+              <a:rPr lang="en-US" dirty="0" err="1">
                 <a:solidFill>
                   <a:schemeClr val="tx1"/>
                 </a:solidFill>
@@ -5866,7 +6010,7 @@
           <a:p>
             <a:pPr algn="ctr"/>
             <a:r>
-              <a:rPr lang="en-US" dirty="0" smtClean="0">
+              <a:rPr lang="en-US" dirty="0">
                 <a:solidFill>
                   <a:schemeClr val="tx1"/>
                 </a:solidFill>
@@ -5877,7 +6021,7 @@
           <a:p>
             <a:pPr algn="ctr"/>
             <a:r>
-              <a:rPr lang="en-US" sz="1300" dirty="0" err="1" smtClean="0">
+              <a:rPr lang="en-US" sz="1300" dirty="0" err="1">
                 <a:solidFill>
                   <a:schemeClr val="tx1"/>
                 </a:solidFill>
@@ -5885,18 +6029,13 @@
               <a:t>vlan</a:t>
             </a:r>
             <a:r>
-              <a:rPr lang="en-US" sz="1300" dirty="0" smtClean="0">
+              <a:rPr lang="en-US" sz="1300" dirty="0">
                 <a:solidFill>
                   <a:schemeClr val="tx1"/>
                 </a:solidFill>
               </a:rPr>
               <a:t>: 100</a:t>
             </a:r>
-            <a:endParaRPr lang="en-US" sz="1300" dirty="0">
-              <a:solidFill>
-                <a:schemeClr val="tx1"/>
-              </a:solidFill>
-            </a:endParaRPr>
           </a:p>
         </p:txBody>
       </p:sp>
@@ -5952,18 +6091,13 @@
           <a:p>
             <a:pPr algn="ctr"/>
             <a:r>
-              <a:rPr lang="en-US" dirty="0" smtClean="0">
+              <a:rPr lang="en-US" dirty="0">
                 <a:solidFill>
                   <a:schemeClr val="tx1"/>
                 </a:solidFill>
               </a:rPr>
               <a:t>Flow Key</a:t>
             </a:r>
-            <a:endParaRPr lang="en-US" dirty="0">
-              <a:solidFill>
-                <a:schemeClr val="tx1"/>
-              </a:solidFill>
-            </a:endParaRPr>
           </a:p>
         </p:txBody>
       </p:sp>
@@ -6019,18 +6153,13 @@
           <a:p>
             <a:pPr algn="ctr"/>
             <a:r>
-              <a:rPr lang="en-US" dirty="0" smtClean="0">
+              <a:rPr lang="en-US" dirty="0">
                 <a:solidFill>
                   <a:schemeClr val="tx1"/>
                 </a:solidFill>
               </a:rPr>
               <a:t>Flow Table</a:t>
             </a:r>
-            <a:endParaRPr lang="en-US" dirty="0">
-              <a:solidFill>
-                <a:schemeClr val="tx1"/>
-              </a:solidFill>
-            </a:endParaRPr>
           </a:p>
         </p:txBody>
       </p:sp>
@@ -6193,7 +6322,7 @@
           <a:p>
             <a:pPr algn="ctr"/>
             <a:r>
-              <a:rPr lang="en-US" smtClean="0">
+              <a:rPr lang="en-US">
                 <a:solidFill>
                   <a:schemeClr val="tx1"/>
                 </a:solidFill>
@@ -6231,7 +6360,7 @@
           <a:lstStyle/>
           <a:p>
             <a:r>
-              <a:rPr lang="en-US" smtClean="0"/>
+              <a:rPr lang="en-US"/>
               <a:t>…</a:t>
             </a:r>
           </a:p>
@@ -6541,25 +6670,20 @@
           <a:p>
             <a:r>
               <a:rPr lang="en-US" sz="1400" dirty="0" err="1"/>
-              <a:t>b</a:t>
-            </a:r>
-            <a:r>
-              <a:rPr lang="en-US" sz="1400" dirty="0" err="1" smtClean="0"/>
-              <a:t>pf</a:t>
-            </a:r>
-            <a:r>
-              <a:rPr lang="en-US" sz="1400" dirty="0" smtClean="0"/>
+              <a:t>bpf</a:t>
+            </a:r>
+            <a:r>
+              <a:rPr lang="en-US" sz="1400" dirty="0"/>
               <a:t> </a:t>
             </a:r>
             <a:r>
-              <a:rPr lang="en-US" sz="1400" dirty="0" err="1" smtClean="0"/>
+              <a:rPr lang="en-US" sz="1400" dirty="0" err="1"/>
               <a:t>syscall</a:t>
             </a:r>
             <a:r>
-              <a:rPr lang="en-US" sz="1400" dirty="0" smtClean="0"/>
+              <a:rPr lang="en-US" sz="1400" dirty="0"/>
               <a:t>()</a:t>
             </a:r>
-            <a:endParaRPr lang="en-US" sz="1400" dirty="0"/>
           </a:p>
         </p:txBody>
       </p:sp>
@@ -6586,10 +6710,9 @@
           <a:lstStyle/>
           <a:p>
             <a:r>
-              <a:rPr lang="en-US" dirty="0" smtClean="0"/>
+              <a:rPr lang="en-US" dirty="0"/>
               <a:t>kernel</a:t>
             </a:r>
-            <a:endParaRPr lang="en-US" dirty="0"/>
           </a:p>
         </p:txBody>
       </p:sp>
@@ -6617,13 +6740,8 @@
           <a:p>
             <a:r>
               <a:rPr lang="en-US" dirty="0"/>
-              <a:t>u</a:t>
-            </a:r>
-            <a:r>
-              <a:rPr lang="en-US" dirty="0" smtClean="0"/>
-              <a:t>ser</a:t>
-            </a:r>
-            <a:endParaRPr lang="en-US" dirty="0"/>
+              <a:t>user</a:t>
+            </a:r>
           </a:p>
         </p:txBody>
       </p:sp>
@@ -6764,7 +6882,7 @@
           <a:p>
             <a:pPr algn="ctr"/>
             <a:r>
-              <a:rPr lang="en-US" dirty="0" smtClean="0">
+              <a:rPr lang="en-US" dirty="0">
                 <a:solidFill>
                   <a:schemeClr val="tx1"/>
                 </a:solidFill>
@@ -6780,21 +6898,8 @@
                   <a:schemeClr val="tx1"/>
                 </a:solidFill>
               </a:rPr>
-              <a:t>o</a:t>
-            </a:r>
-            <a:r>
-              <a:rPr lang="en-US" sz="1300" dirty="0" smtClean="0">
-                <a:solidFill>
-                  <a:schemeClr val="tx1"/>
-                </a:solidFill>
-              </a:rPr>
-              <a:t>utput:3</a:t>
-            </a:r>
-            <a:endParaRPr lang="en-US" sz="1300" dirty="0">
-              <a:solidFill>
-                <a:schemeClr val="tx1"/>
-              </a:solidFill>
-            </a:endParaRPr>
+              <a:t>output:3</a:t>
+            </a:r>
           </a:p>
         </p:txBody>
       </p:sp>
@@ -6889,22 +6994,21 @@
           <a:lstStyle/>
           <a:p>
             <a:r>
-              <a:rPr lang="en-US" sz="1400" dirty="0" smtClean="0"/>
+              <a:rPr lang="en-US" sz="1400" dirty="0"/>
               <a:t>Tail call</a:t>
             </a:r>
           </a:p>
           <a:p>
             <a:r>
-              <a:rPr lang="en-US" sz="1400" dirty="0" smtClean="0"/>
+              <a:rPr lang="en-US" sz="1400" dirty="0"/>
               <a:t>Update map</a:t>
             </a:r>
           </a:p>
           <a:p>
             <a:r>
-              <a:rPr lang="en-US" sz="1400" dirty="0" smtClean="0"/>
+              <a:rPr lang="en-US" sz="1400" dirty="0"/>
               <a:t>Lookup map</a:t>
             </a:r>
-            <a:endParaRPr lang="en-US" sz="1400" dirty="0"/>
           </a:p>
         </p:txBody>
       </p:sp>
@@ -7116,16 +7220,15 @@
               </a:lnSpc>
             </a:pPr>
             <a:r>
-              <a:rPr lang="en-US" sz="1500" dirty="0" smtClean="0"/>
+              <a:rPr lang="en-US" sz="1500" dirty="0"/>
               <a:t>BPF Program</a:t>
             </a:r>
           </a:p>
           <a:p>
             <a:r>
-              <a:rPr lang="en-US" sz="1500" dirty="0" smtClean="0"/>
+              <a:rPr lang="en-US" sz="1500" dirty="0"/>
               <a:t>BPF Map</a:t>
             </a:r>
-            <a:endParaRPr lang="en-US" sz="1500" dirty="0"/>
           </a:p>
         </p:txBody>
       </p:sp>
@@ -7152,10 +7255,9 @@
           <a:lstStyle/>
           <a:p>
             <a:r>
-              <a:rPr lang="en-US" sz="1300" dirty="0" smtClean="0"/>
+              <a:rPr lang="en-US" sz="1300" dirty="0"/>
               <a:t>Short-cut</a:t>
             </a:r>
-            <a:endParaRPr lang="en-US" sz="1300" dirty="0"/>
           </a:p>
         </p:txBody>
       </p:sp>

--- a/graph/graph.pptx
+++ b/graph/graph.pptx
@@ -4867,20 +4867,12 @@
           <a:p>
             <a:pPr algn="ctr"/>
             <a:r>
-              <a:rPr lang="en-US" sz="1500">
-                <a:solidFill>
-                  <a:schemeClr val="tx1"/>
-                </a:solidFill>
-              </a:rPr>
-              <a:t>XDP </a:t>
-            </a:r>
-            <a:r>
               <a:rPr lang="en-US" sz="1500" dirty="0">
                 <a:solidFill>
                   <a:schemeClr val="tx1"/>
                 </a:solidFill>
               </a:rPr>
-              <a:t>Prog2</a:t>
+              <a:t>XDP Prog2</a:t>
             </a:r>
           </a:p>
         </p:txBody>

--- a/graph/graph.pptx
+++ b/graph/graph.pptx
@@ -200,7 +200,7 @@
           <a:p>
             <a:fld id="{83D1E673-CA6D-B044-BFDA-D4F4C1D0E2D0}" type="datetimeFigureOut">
               <a:rPr lang="en-US" smtClean="0"/>
-              <a:t>10/26/18</a:t>
+              <a:t>11/5/18</a:t>
             </a:fld>
             <a:endParaRPr lang="en-US"/>
           </a:p>
@@ -680,7 +680,7 @@
           <a:p>
             <a:fld id="{EE1DBB6F-DAED-FE4B-A210-17C78E93EBE3}" type="datetimeFigureOut">
               <a:rPr lang="en-US" smtClean="0"/>
-              <a:t>10/26/18</a:t>
+              <a:t>11/5/18</a:t>
             </a:fld>
             <a:endParaRPr lang="en-US"/>
           </a:p>
@@ -848,7 +848,7 @@
           <a:p>
             <a:fld id="{EE1DBB6F-DAED-FE4B-A210-17C78E93EBE3}" type="datetimeFigureOut">
               <a:rPr lang="en-US" smtClean="0"/>
-              <a:t>10/26/18</a:t>
+              <a:t>11/5/18</a:t>
             </a:fld>
             <a:endParaRPr lang="en-US"/>
           </a:p>
@@ -1026,7 +1026,7 @@
           <a:p>
             <a:fld id="{EE1DBB6F-DAED-FE4B-A210-17C78E93EBE3}" type="datetimeFigureOut">
               <a:rPr lang="en-US" smtClean="0"/>
-              <a:t>10/26/18</a:t>
+              <a:t>11/5/18</a:t>
             </a:fld>
             <a:endParaRPr lang="en-US"/>
           </a:p>
@@ -1194,7 +1194,7 @@
           <a:p>
             <a:fld id="{EE1DBB6F-DAED-FE4B-A210-17C78E93EBE3}" type="datetimeFigureOut">
               <a:rPr lang="en-US" smtClean="0"/>
-              <a:t>10/26/18</a:t>
+              <a:t>11/5/18</a:t>
             </a:fld>
             <a:endParaRPr lang="en-US"/>
           </a:p>
@@ -1439,7 +1439,7 @@
           <a:p>
             <a:fld id="{EE1DBB6F-DAED-FE4B-A210-17C78E93EBE3}" type="datetimeFigureOut">
               <a:rPr lang="en-US" smtClean="0"/>
-              <a:t>10/26/18</a:t>
+              <a:t>11/5/18</a:t>
             </a:fld>
             <a:endParaRPr lang="en-US"/>
           </a:p>
@@ -1668,7 +1668,7 @@
           <a:p>
             <a:fld id="{EE1DBB6F-DAED-FE4B-A210-17C78E93EBE3}" type="datetimeFigureOut">
               <a:rPr lang="en-US" smtClean="0"/>
-              <a:t>10/26/18</a:t>
+              <a:t>11/5/18</a:t>
             </a:fld>
             <a:endParaRPr lang="en-US"/>
           </a:p>
@@ -2032,7 +2032,7 @@
           <a:p>
             <a:fld id="{EE1DBB6F-DAED-FE4B-A210-17C78E93EBE3}" type="datetimeFigureOut">
               <a:rPr lang="en-US" smtClean="0"/>
-              <a:t>10/26/18</a:t>
+              <a:t>11/5/18</a:t>
             </a:fld>
             <a:endParaRPr lang="en-US"/>
           </a:p>
@@ -2149,7 +2149,7 @@
           <a:p>
             <a:fld id="{EE1DBB6F-DAED-FE4B-A210-17C78E93EBE3}" type="datetimeFigureOut">
               <a:rPr lang="en-US" smtClean="0"/>
-              <a:t>10/26/18</a:t>
+              <a:t>11/5/18</a:t>
             </a:fld>
             <a:endParaRPr lang="en-US"/>
           </a:p>
@@ -2244,7 +2244,7 @@
           <a:p>
             <a:fld id="{EE1DBB6F-DAED-FE4B-A210-17C78E93EBE3}" type="datetimeFigureOut">
               <a:rPr lang="en-US" smtClean="0"/>
-              <a:t>10/26/18</a:t>
+              <a:t>11/5/18</a:t>
             </a:fld>
             <a:endParaRPr lang="en-US"/>
           </a:p>
@@ -2519,7 +2519,7 @@
           <a:p>
             <a:fld id="{EE1DBB6F-DAED-FE4B-A210-17C78E93EBE3}" type="datetimeFigureOut">
               <a:rPr lang="en-US" smtClean="0"/>
-              <a:t>10/26/18</a:t>
+              <a:t>11/5/18</a:t>
             </a:fld>
             <a:endParaRPr lang="en-US"/>
           </a:p>
@@ -2771,7 +2771,7 @@
           <a:p>
             <a:fld id="{EE1DBB6F-DAED-FE4B-A210-17C78E93EBE3}" type="datetimeFigureOut">
               <a:rPr lang="en-US" smtClean="0"/>
-              <a:t>10/26/18</a:t>
+              <a:t>11/5/18</a:t>
             </a:fld>
             <a:endParaRPr lang="en-US"/>
           </a:p>
@@ -2982,7 +2982,7 @@
           <a:p>
             <a:fld id="{EE1DBB6F-DAED-FE4B-A210-17C78E93EBE3}" type="datetimeFigureOut">
               <a:rPr lang="en-US" smtClean="0"/>
-              <a:t>10/26/18</a:t>
+              <a:t>11/5/18</a:t>
             </a:fld>
             <a:endParaRPr lang="en-US"/>
           </a:p>
@@ -3404,7 +3404,7 @@
           <a:p>
             <a:r>
               <a:rPr lang="en-US" dirty="0"/>
-              <a:t>Radio 2017</a:t>
+              <a:t>LPC 2018</a:t>
             </a:r>
           </a:p>
         </p:txBody>
@@ -5899,66 +5899,6 @@
       </p:sp>
       <p:sp>
         <p:nvSpPr>
-          <p:cNvPr id="22" name="Rectangle 21"/>
-          <p:cNvSpPr/>
-          <p:nvPr/>
-        </p:nvSpPr>
-        <p:spPr>
-          <a:xfrm>
-            <a:off x="9537255" y="4023602"/>
-            <a:ext cx="1045662" cy="660803"/>
-          </a:xfrm>
-          <a:prstGeom prst="rect">
-            <a:avLst/>
-          </a:prstGeom>
-          <a:noFill/>
-          <a:ln w="25400">
-            <a:solidFill>
-              <a:schemeClr val="bg2">
-                <a:lumMod val="25000"/>
-              </a:schemeClr>
-            </a:solidFill>
-          </a:ln>
-        </p:spPr>
-        <p:style>
-          <a:lnRef idx="2">
-            <a:schemeClr val="accent1">
-              <a:shade val="50000"/>
-            </a:schemeClr>
-          </a:lnRef>
-          <a:fillRef idx="1">
-            <a:schemeClr val="accent1"/>
-          </a:fillRef>
-          <a:effectRef idx="0">
-            <a:schemeClr val="accent1"/>
-          </a:effectRef>
-          <a:fontRef idx="minor">
-            <a:schemeClr val="lt1"/>
-          </a:fontRef>
-        </p:style>
-        <p:txBody>
-          <a:bodyPr rtlCol="0" anchor="ctr"/>
-          <a:lstStyle/>
-          <a:p>
-            <a:pPr algn="ctr"/>
-            <a:r>
-              <a:rPr lang="en-US" dirty="0" err="1">
-                <a:solidFill>
-                  <a:schemeClr val="tx1"/>
-                </a:solidFill>
-              </a:rPr>
-              <a:t>Deparser</a:t>
-            </a:r>
-            <a:endParaRPr lang="en-US" dirty="0">
-              <a:solidFill>
-                <a:schemeClr val="tx1"/>
-              </a:solidFill>
-            </a:endParaRPr>
-          </a:p>
-        </p:txBody>
-      </p:sp>
-      <p:sp>
-        <p:nvSpPr>
           <p:cNvPr id="23" name="Rectangle 22"/>
           <p:cNvSpPr/>
           <p:nvPr/>
@@ -6566,41 +6506,6 @@
       </p:cxnSp>
       <p:cxnSp>
         <p:nvCxnSpPr>
-          <p:cNvPr id="85" name="Straight Arrow Connector 84"/>
-          <p:cNvCxnSpPr>
-            <a:stCxn id="22" idx="3"/>
-          </p:cNvCxnSpPr>
-          <p:nvPr/>
-        </p:nvCxnSpPr>
-        <p:spPr>
-          <a:xfrm flipV="1">
-            <a:off x="10582917" y="4354003"/>
-            <a:ext cx="327253" cy="1"/>
-          </a:xfrm>
-          <a:prstGeom prst="straightConnector1">
-            <a:avLst/>
-          </a:prstGeom>
-          <a:ln>
-            <a:tailEnd type="triangle"/>
-          </a:ln>
-        </p:spPr>
-        <p:style>
-          <a:lnRef idx="1">
-            <a:schemeClr val="accent1"/>
-          </a:lnRef>
-          <a:fillRef idx="0">
-            <a:schemeClr val="accent1"/>
-          </a:fillRef>
-          <a:effectRef idx="0">
-            <a:schemeClr val="accent1"/>
-          </a:effectRef>
-          <a:fontRef idx="minor">
-            <a:schemeClr val="tx1"/>
-          </a:fontRef>
-        </p:style>
-      </p:cxnSp>
-      <p:cxnSp>
-        <p:nvCxnSpPr>
           <p:cNvPr id="89" name="Straight Connector 88"/>
           <p:cNvCxnSpPr/>
           <p:nvPr/>
@@ -7221,123 +7126,6 @@
               <a:rPr lang="en-US" sz="1500" dirty="0"/>
               <a:t>BPF Map</a:t>
             </a:r>
-          </a:p>
-        </p:txBody>
-      </p:sp>
-      <p:sp>
-        <p:nvSpPr>
-          <p:cNvPr id="17" name="TextBox 16"/>
-          <p:cNvSpPr txBox="1"/>
-          <p:nvPr/>
-        </p:nvSpPr>
-        <p:spPr>
-          <a:xfrm>
-            <a:off x="9377172" y="3434434"/>
-            <a:ext cx="812851" cy="292388"/>
-          </a:xfrm>
-          <a:prstGeom prst="rect">
-            <a:avLst/>
-          </a:prstGeom>
-          <a:noFill/>
-        </p:spPr>
-        <p:txBody>
-          <a:bodyPr wrap="none" rtlCol="0">
-            <a:spAutoFit/>
-          </a:bodyPr>
-          <a:lstStyle/>
-          <a:p>
-            <a:r>
-              <a:rPr lang="en-US" sz="1300" dirty="0"/>
-              <a:t>Short-cut</a:t>
-            </a:r>
-          </a:p>
-        </p:txBody>
-      </p:sp>
-      <p:sp>
-        <p:nvSpPr>
-          <p:cNvPr id="24" name="Freeform 23"/>
-          <p:cNvSpPr/>
-          <p:nvPr/>
-        </p:nvSpPr>
-        <p:spPr>
-          <a:xfrm>
-            <a:off x="9008533" y="3640636"/>
-            <a:ext cx="694267" cy="389497"/>
-          </a:xfrm>
-          <a:custGeom>
-            <a:avLst/>
-            <a:gdLst>
-              <a:gd name="connsiteX0" fmla="*/ 0 w 694267"/>
-              <a:gd name="connsiteY0" fmla="*/ 372564 h 389497"/>
-              <a:gd name="connsiteX1" fmla="*/ 338667 w 694267"/>
-              <a:gd name="connsiteY1" fmla="*/ 31 h 389497"/>
-              <a:gd name="connsiteX2" fmla="*/ 694267 w 694267"/>
-              <a:gd name="connsiteY2" fmla="*/ 389497 h 389497"/>
-            </a:gdLst>
-            <a:ahLst/>
-            <a:cxnLst>
-              <a:cxn ang="0">
-                <a:pos x="connsiteX0" y="connsiteY0"/>
-              </a:cxn>
-              <a:cxn ang="0">
-                <a:pos x="connsiteX1" y="connsiteY1"/>
-              </a:cxn>
-              <a:cxn ang="0">
-                <a:pos x="connsiteX2" y="connsiteY2"/>
-              </a:cxn>
-            </a:cxnLst>
-            <a:rect l="l" t="t" r="r" b="b"/>
-            <a:pathLst>
-              <a:path w="694267" h="389497">
-                <a:moveTo>
-                  <a:pt x="0" y="372564"/>
-                </a:moveTo>
-                <a:cubicBezTo>
-                  <a:pt x="111478" y="184886"/>
-                  <a:pt x="222956" y="-2791"/>
-                  <a:pt x="338667" y="31"/>
-                </a:cubicBezTo>
-                <a:cubicBezTo>
-                  <a:pt x="454378" y="2853"/>
-                  <a:pt x="694267" y="389497"/>
-                  <a:pt x="694267" y="389497"/>
-                </a:cubicBezTo>
-              </a:path>
-            </a:pathLst>
-          </a:custGeom>
-          <a:noFill/>
-          <a:ln w="38100" cmpd="dbl">
-            <a:solidFill>
-              <a:schemeClr val="accent1">
-                <a:lumMod val="60000"/>
-                <a:lumOff val="40000"/>
-              </a:schemeClr>
-            </a:solidFill>
-            <a:tailEnd type="triangle"/>
-          </a:ln>
-        </p:spPr>
-        <p:style>
-          <a:lnRef idx="2">
-            <a:schemeClr val="accent1">
-              <a:shade val="50000"/>
-            </a:schemeClr>
-          </a:lnRef>
-          <a:fillRef idx="1">
-            <a:schemeClr val="accent1"/>
-          </a:fillRef>
-          <a:effectRef idx="0">
-            <a:schemeClr val="accent1"/>
-          </a:effectRef>
-          <a:fontRef idx="minor">
-            <a:schemeClr val="lt1"/>
-          </a:fontRef>
-        </p:style>
-        <p:txBody>
-          <a:bodyPr rtlCol="0" anchor="ctr"/>
-          <a:lstStyle/>
-          <a:p>
-            <a:pPr algn="ctr"/>
-            <a:endParaRPr lang="en-US"/>
           </a:p>
         </p:txBody>
       </p:sp>
